--- a/powerpoint/Session1.pptx
+++ b/powerpoint/Session1.pptx
@@ -20194,7 +20194,7 @@
                 <a:latin typeface="Calibri"/>
                 <a:ea typeface="DejaVu Sans"/>
               </a:rPr>
-              <a:t>March</a:t>
+              <a:t>May</a:t>
             </a:r>
             <a:r>
               <a:rPr lang="en-US" sz="3200" b="0" strike="noStrike" spc="-1" dirty="0">
@@ -30368,7 +30368,7 @@
                 <a:latin typeface="Calibri"/>
                 <a:ea typeface="DejaVu Sans"/>
               </a:rPr>
-              <a:t>March</a:t>
+              <a:t>May</a:t>
             </a:r>
             <a:r>
               <a:rPr lang="en-US" sz="3200" b="0" strike="noStrike" spc="-1" dirty="0">
@@ -45177,7 +45177,7 @@
                 <a:latin typeface="Calibri"/>
                 <a:hlinkClick r:id="rId2"/>
               </a:rPr>
-              <a:t>https://github.com/Chelysheva/MSD_R_course_lateMarch2024</a:t>
+              <a:t>https://github.com/Chelysheva/MSD_R_course_May2024</a:t>
             </a:r>
             <a:endParaRPr lang="en-US" sz="3600" spc="-1" dirty="0">
               <a:solidFill>
